--- a/document/articulo1.pptx
+++ b/document/articulo1.pptx
@@ -10,11 +10,10 @@
     <p:sldId id="258" r:id="rId4"/>
     <p:sldId id="259" r:id="rId5"/>
     <p:sldId id="260" r:id="rId6"/>
-    <p:sldId id="261" r:id="rId7"/>
-    <p:sldId id="262" r:id="rId8"/>
-    <p:sldId id="263" r:id="rId9"/>
-    <p:sldId id="264" r:id="rId10"/>
-    <p:sldId id="265" r:id="rId11"/>
+    <p:sldId id="262" r:id="rId7"/>
+    <p:sldId id="263" r:id="rId8"/>
+    <p:sldId id="264" r:id="rId9"/>
+    <p:sldId id="265" r:id="rId10"/>
   </p:sldIdLst>
   <p:sldSz cx="12192000" cy="6858000"/>
   <p:notesSz cx="6858000" cy="9144000"/>
@@ -3024,87 +3023,6 @@
 </p:sld>
 </file>
 
-<file path=ppt/slides/slide10.xml><?xml version="1.0" encoding="utf-8"?>
-<p:sld xmlns:a="http://schemas.openxmlformats.org/drawingml/2006/main" xmlns:r="http://schemas.openxmlformats.org/officeDocument/2006/relationships" xmlns:p="http://schemas.openxmlformats.org/presentationml/2006/main">
-  <p:cSld>
-    <p:spTree>
-      <p:nvGrpSpPr>
-        <p:cNvPr id="1" name=""/>
-        <p:cNvGrpSpPr/>
-        <p:nvPr/>
-      </p:nvGrpSpPr>
-      <p:grpSpPr>
-        <a:xfrm>
-          <a:off x="0" y="0"/>
-          <a:ext cx="0" cy="0"/>
-          <a:chOff x="0" y="0"/>
-          <a:chExt cx="0" cy="0"/>
-        </a:xfrm>
-      </p:grpSpPr>
-      <p:sp>
-        <p:nvSpPr>
-          <p:cNvPr id="2" name="Título 1"/>
-          <p:cNvSpPr>
-            <a:spLocks noGrp="1"/>
-          </p:cNvSpPr>
-          <p:nvPr>
-            <p:ph type="title"/>
-          </p:nvPr>
-        </p:nvSpPr>
-        <p:spPr/>
-        <p:txBody>
-          <a:bodyPr/>
-          <a:lstStyle/>
-          <a:p>
-            <a:r>
-              <a:rPr lang="en-US" dirty="0" smtClean="0"/>
-              <a:t>REFERENCIAS</a:t>
-            </a:r>
-            <a:endParaRPr lang="en-US" dirty="0"/>
-          </a:p>
-        </p:txBody>
-      </p:sp>
-      <p:sp>
-        <p:nvSpPr>
-          <p:cNvPr id="3" name="Marcador de contenido 2"/>
-          <p:cNvSpPr>
-            <a:spLocks noGrp="1"/>
-          </p:cNvSpPr>
-          <p:nvPr>
-            <p:ph idx="1"/>
-          </p:nvPr>
-        </p:nvSpPr>
-        <p:spPr/>
-        <p:txBody>
-          <a:bodyPr>
-            <a:normAutofit/>
-          </a:bodyPr>
-          <a:lstStyle/>
-          <a:p>
-            <a:pPr marL="0" indent="0">
-              <a:buNone/>
-            </a:pPr>
-            <a:r>
-              <a:rPr lang="en-US" dirty="0" smtClean="0"/>
-              <a:t>https://www.elastic.co/products/x-pack/machine-learning</a:t>
-            </a:r>
-            <a:endParaRPr lang="en-US" dirty="0"/>
-          </a:p>
-        </p:txBody>
-      </p:sp>
-    </p:spTree>
-    <p:extLst>
-      <p:ext uri="{BB962C8B-B14F-4D97-AF65-F5344CB8AC3E}">
-        <p14:creationId xmlns:p14="http://schemas.microsoft.com/office/powerpoint/2010/main" val="3459070136"/>
-      </p:ext>
-    </p:extLst>
-  </p:cSld>
-  <p:clrMapOvr>
-    <a:masterClrMapping/>
-  </p:clrMapOvr>
-</p:sld>
-</file>
-
 <file path=ppt/slides/slide2.xml><?xml version="1.0" encoding="utf-8"?>
 <p:sld xmlns:a="http://schemas.openxmlformats.org/drawingml/2006/main" xmlns:r="http://schemas.openxmlformats.org/officeDocument/2006/relationships" xmlns:p="http://schemas.openxmlformats.org/presentationml/2006/main">
   <p:cSld>
@@ -3748,145 +3666,6 @@
             </a:pPr>
             <a:r>
               <a:rPr lang="es-ES" dirty="0" smtClean="0"/>
-              <a:t>Identifica la actividad de red o algún comportamiento inusual de algún usuario a los atacantes antes de que causen daño.</a:t>
-            </a:r>
-            <a:endParaRPr lang="en-US" dirty="0"/>
-          </a:p>
-        </p:txBody>
-      </p:sp>
-      <p:pic>
-        <p:nvPicPr>
-          <p:cNvPr id="5" name="Imagen 4"/>
-          <p:cNvPicPr>
-            <a:picLocks noChangeAspect="1"/>
-          </p:cNvPicPr>
-          <p:nvPr/>
-        </p:nvPicPr>
-        <p:blipFill>
-          <a:blip r:embed="rId2"/>
-          <a:stretch>
-            <a:fillRect/>
-          </a:stretch>
-        </p:blipFill>
-        <p:spPr>
-          <a:xfrm>
-            <a:off x="4256087" y="4207509"/>
-            <a:ext cx="2555600" cy="1969453"/>
-          </a:xfrm>
-          <a:prstGeom prst="rect">
-            <a:avLst/>
-          </a:prstGeom>
-        </p:spPr>
-      </p:pic>
-    </p:spTree>
-    <p:extLst>
-      <p:ext uri="{BB962C8B-B14F-4D97-AF65-F5344CB8AC3E}">
-        <p14:creationId xmlns:p14="http://schemas.microsoft.com/office/powerpoint/2010/main" val="260679736"/>
-      </p:ext>
-    </p:extLst>
-  </p:cSld>
-  <p:clrMapOvr>
-    <a:masterClrMapping/>
-  </p:clrMapOvr>
-</p:sld>
-</file>
-
-<file path=ppt/slides/slide7.xml><?xml version="1.0" encoding="utf-8"?>
-<p:sld xmlns:a="http://schemas.openxmlformats.org/drawingml/2006/main" xmlns:r="http://schemas.openxmlformats.org/officeDocument/2006/relationships" xmlns:p="http://schemas.openxmlformats.org/presentationml/2006/main">
-  <p:cSld>
-    <p:spTree>
-      <p:nvGrpSpPr>
-        <p:cNvPr id="1" name=""/>
-        <p:cNvGrpSpPr/>
-        <p:nvPr/>
-      </p:nvGrpSpPr>
-      <p:grpSpPr>
-        <a:xfrm>
-          <a:off x="0" y="0"/>
-          <a:ext cx="0" cy="0"/>
-          <a:chOff x="0" y="0"/>
-          <a:chExt cx="0" cy="0"/>
-        </a:xfrm>
-      </p:grpSpPr>
-      <p:sp>
-        <p:nvSpPr>
-          <p:cNvPr id="2" name="Título 1"/>
-          <p:cNvSpPr>
-            <a:spLocks noGrp="1"/>
-          </p:cNvSpPr>
-          <p:nvPr>
-            <p:ph type="title"/>
-          </p:nvPr>
-        </p:nvSpPr>
-        <p:spPr/>
-        <p:txBody>
-          <a:bodyPr/>
-          <a:lstStyle/>
-          <a:p>
-            <a:r>
-              <a:rPr lang="en-US" dirty="0" err="1" smtClean="0"/>
-              <a:t>Elasticsearch</a:t>
-            </a:r>
-            <a:r>
-              <a:rPr lang="en-US" dirty="0" smtClean="0"/>
-              <a:t> Machine Learning</a:t>
-            </a:r>
-            <a:endParaRPr lang="en-US" dirty="0"/>
-          </a:p>
-        </p:txBody>
-      </p:sp>
-      <p:sp>
-        <p:nvSpPr>
-          <p:cNvPr id="3" name="Marcador de contenido 2"/>
-          <p:cNvSpPr>
-            <a:spLocks noGrp="1"/>
-          </p:cNvSpPr>
-          <p:nvPr>
-            <p:ph idx="1"/>
-          </p:nvPr>
-        </p:nvSpPr>
-        <p:spPr/>
-        <p:txBody>
-          <a:bodyPr/>
-          <a:lstStyle/>
-          <a:p>
-            <a:pPr marL="0" indent="0">
-              <a:buNone/>
-            </a:pPr>
-            <a:endParaRPr lang="es-BO" b="1" dirty="0" smtClean="0"/>
-          </a:p>
-          <a:p>
-            <a:pPr marL="0" indent="0">
-              <a:buNone/>
-            </a:pPr>
-            <a:r>
-              <a:rPr lang="en-US" b="1" dirty="0" smtClean="0"/>
-              <a:t>An</a:t>
-            </a:r>
-            <a:r>
-              <a:rPr lang="es-BO" b="1" dirty="0" smtClean="0"/>
-              <a:t>á</a:t>
-            </a:r>
-            <a:r>
-              <a:rPr lang="en-US" b="1" dirty="0" err="1" smtClean="0"/>
-              <a:t>lisis</a:t>
-            </a:r>
-            <a:r>
-              <a:rPr lang="en-US" b="1" dirty="0" smtClean="0"/>
-              <a:t> de </a:t>
-            </a:r>
-            <a:r>
-              <a:rPr lang="en-US" b="1" dirty="0" err="1" smtClean="0"/>
-              <a:t>negocio</a:t>
-            </a:r>
-            <a:endParaRPr lang="en-US" b="1" dirty="0"/>
-          </a:p>
-          <a:p>
-            <a:pPr marL="0" indent="0">
-              <a:buNone/>
-            </a:pPr>
-            <a:r>
-              <a:rPr lang="es-ES" dirty="0" smtClean="0"/>
               <a:t>Sea notificado si hay un aumento inusual por ejemplo en carritos abandonados de la compra en su sitio del e-</a:t>
             </a:r>
             <a:r>
@@ -3938,6 +3717,133 @@
 </p:sld>
 </file>
 
+<file path=ppt/slides/slide7.xml><?xml version="1.0" encoding="utf-8"?>
+<p:sld xmlns:a="http://schemas.openxmlformats.org/drawingml/2006/main" xmlns:r="http://schemas.openxmlformats.org/officeDocument/2006/relationships" xmlns:p="http://schemas.openxmlformats.org/presentationml/2006/main">
+  <p:cSld>
+    <p:spTree>
+      <p:nvGrpSpPr>
+        <p:cNvPr id="1" name=""/>
+        <p:cNvGrpSpPr/>
+        <p:nvPr/>
+      </p:nvGrpSpPr>
+      <p:grpSpPr>
+        <a:xfrm>
+          <a:off x="0" y="0"/>
+          <a:ext cx="0" cy="0"/>
+          <a:chOff x="0" y="0"/>
+          <a:chExt cx="0" cy="0"/>
+        </a:xfrm>
+      </p:grpSpPr>
+      <p:sp>
+        <p:nvSpPr>
+          <p:cNvPr id="2" name="Título 1"/>
+          <p:cNvSpPr>
+            <a:spLocks noGrp="1"/>
+          </p:cNvSpPr>
+          <p:nvPr>
+            <p:ph type="title"/>
+          </p:nvPr>
+        </p:nvSpPr>
+        <p:spPr/>
+        <p:txBody>
+          <a:bodyPr/>
+          <a:lstStyle/>
+          <a:p>
+            <a:r>
+              <a:rPr lang="en-US" dirty="0" err="1" smtClean="0"/>
+              <a:t>Elasticsearch</a:t>
+            </a:r>
+            <a:r>
+              <a:rPr lang="en-US" dirty="0" smtClean="0"/>
+              <a:t> Machine Learning</a:t>
+            </a:r>
+            <a:endParaRPr lang="en-US" dirty="0"/>
+          </a:p>
+        </p:txBody>
+      </p:sp>
+      <p:sp>
+        <p:nvSpPr>
+          <p:cNvPr id="3" name="Marcador de contenido 2"/>
+          <p:cNvSpPr>
+            <a:spLocks noGrp="1"/>
+          </p:cNvSpPr>
+          <p:nvPr>
+            <p:ph idx="1"/>
+          </p:nvPr>
+        </p:nvSpPr>
+        <p:spPr/>
+        <p:txBody>
+          <a:bodyPr/>
+          <a:lstStyle/>
+          <a:p>
+            <a:pPr marL="0" indent="0">
+              <a:buNone/>
+            </a:pPr>
+            <a:endParaRPr lang="es-BO" b="1" dirty="0" smtClean="0"/>
+          </a:p>
+          <a:p>
+            <a:pPr marL="0" indent="0">
+              <a:buNone/>
+            </a:pPr>
+            <a:r>
+              <a:rPr lang="en-US" b="1" dirty="0" err="1" smtClean="0"/>
+              <a:t>Modela</a:t>
+            </a:r>
+            <a:r>
+              <a:rPr lang="en-US" b="1" dirty="0" smtClean="0"/>
+              <a:t> </a:t>
+            </a:r>
+            <a:r>
+              <a:rPr lang="en-US" b="1" dirty="0" err="1" smtClean="0"/>
+              <a:t>automaticamente</a:t>
+            </a:r>
+            <a:r>
+              <a:rPr lang="en-US" b="1" dirty="0" smtClean="0"/>
+              <a:t> la </a:t>
+            </a:r>
+            <a:r>
+              <a:rPr lang="en-US" b="1" dirty="0" err="1" smtClean="0"/>
+              <a:t>complejidad</a:t>
+            </a:r>
+            <a:r>
+              <a:rPr lang="en-US" b="1" dirty="0" smtClean="0"/>
+              <a:t> del </a:t>
+            </a:r>
+            <a:r>
+              <a:rPr lang="en-US" b="1" dirty="0" err="1" smtClean="0"/>
+              <a:t>mundo</a:t>
+            </a:r>
+            <a:r>
+              <a:rPr lang="en-US" b="1" dirty="0" smtClean="0"/>
+              <a:t> real</a:t>
+            </a:r>
+            <a:endParaRPr lang="en-US" b="1" dirty="0"/>
+          </a:p>
+          <a:p>
+            <a:pPr marL="0" indent="0">
+              <a:buNone/>
+            </a:pPr>
+            <a:r>
+              <a:rPr lang="es-ES" dirty="0" smtClean="0"/>
+              <a:t>El tráfico del blog se sumerge en las noches y los fines de semana. Los productos populares tienen ventas crecientes con el tiempo. Tasas de conversión de impacto de ubicación y hora del día. Las funciones de aprendizaje de X-Pack aprenden el comportamiento normal de sus datos, todo por sí mismo</a:t>
+            </a:r>
+            <a:endParaRPr lang="en-US" dirty="0"/>
+          </a:p>
+        </p:txBody>
+      </p:sp>
+    </p:spTree>
+    <p:extLst>
+      <p:ext uri="{BB962C8B-B14F-4D97-AF65-F5344CB8AC3E}">
+        <p14:creationId xmlns:p14="http://schemas.microsoft.com/office/powerpoint/2010/main" val="2591440036"/>
+      </p:ext>
+    </p:extLst>
+  </p:cSld>
+  <p:clrMapOvr>
+    <a:masterClrMapping/>
+  </p:clrMapOvr>
+</p:sld>
+</file>
+
 <file path=ppt/slides/slide8.xml><?xml version="1.0" encoding="utf-8"?>
 <p:sld xmlns:a="http://schemas.openxmlformats.org/drawingml/2006/main" xmlns:r="http://schemas.openxmlformats.org/officeDocument/2006/relationships" xmlns:p="http://schemas.openxmlformats.org/presentationml/2006/main">
   <p:cSld>
@@ -3994,7 +3900,9 @@
         </p:nvSpPr>
         <p:spPr/>
         <p:txBody>
-          <a:bodyPr/>
+          <a:bodyPr>
+            <a:normAutofit fontScale="92500" lnSpcReduction="10000"/>
+          </a:bodyPr>
           <a:lstStyle/>
           <a:p>
             <a:pPr marL="0" indent="0">
@@ -4008,7 +3916,7 @@
             </a:pPr>
             <a:r>
               <a:rPr lang="en-US" b="1" dirty="0" err="1" smtClean="0"/>
-              <a:t>Modela</a:t>
+              <a:t>Detecta</a:t>
             </a:r>
             <a:r>
               <a:rPr lang="en-US" b="1" dirty="0" smtClean="0"/>
@@ -4016,27 +3924,31 @@
             </a:r>
             <a:r>
               <a:rPr lang="en-US" b="1" dirty="0" err="1" smtClean="0"/>
-              <a:t>automaticamente</a:t>
+              <a:t>todas</a:t>
             </a:r>
             <a:r>
               <a:rPr lang="en-US" b="1" dirty="0" smtClean="0"/>
-              <a:t> la </a:t>
+              <a:t> los </a:t>
             </a:r>
             <a:r>
               <a:rPr lang="en-US" b="1" dirty="0" err="1" smtClean="0"/>
-              <a:t>complejidad</a:t>
+              <a:t>tipos</a:t>
             </a:r>
             <a:r>
               <a:rPr lang="en-US" b="1" dirty="0" smtClean="0"/>
-              <a:t> del </a:t>
+              <a:t> de </a:t>
             </a:r>
             <a:r>
               <a:rPr lang="en-US" b="1" dirty="0" err="1" smtClean="0"/>
-              <a:t>mundo</a:t>
-            </a:r>
-            <a:r>
-              <a:rPr lang="en-US" b="1" dirty="0" smtClean="0"/>
-              <a:t> real</a:t>
+              <a:t>anomal</a:t>
+            </a:r>
+            <a:r>
+              <a:rPr lang="en-US" b="1" dirty="0" err="1"/>
+              <a:t>i</a:t>
+            </a:r>
+            <a:r>
+              <a:rPr lang="en-US" b="1" dirty="0" err="1" smtClean="0"/>
+              <a:t>as</a:t>
             </a:r>
             <a:endParaRPr lang="en-US" b="1" dirty="0"/>
           </a:p>
@@ -4046,7 +3958,24 @@
             </a:pPr>
             <a:r>
               <a:rPr lang="es-ES" dirty="0" smtClean="0"/>
-              <a:t>El tráfico del blog se sumerge en las noches y los fines de semana. Los productos populares tienen ventas crecientes con el tiempo. Tasas de conversión de impacto de ubicación y hora del día. Las funciones de aprendizaje de X-Pack aprenden el comportamiento normal de sus datos, todo por sí mismo</a:t>
+              <a:t>Las funciones de aprendizaje de la máquina X-Pack empujan los límites de lo que puede descubrir en sus datos de </a:t>
+            </a:r>
+            <a:r>
+              <a:rPr lang="es-ES" dirty="0" err="1" smtClean="0"/>
+              <a:t>Elasticsearch</a:t>
+            </a:r>
+            <a:r>
+              <a:rPr lang="es-ES" dirty="0" smtClean="0"/>
+              <a:t>. Se sabe cuándo una métrica específica, como peticiones por segundo, comienza a desviarse de la norma. Detectar valores atípicos en una población mediante la construcción de un perfil de un usuario o máquina "típico" para saber cuándo uno empieza a alejarse del paquete.</a:t>
+            </a:r>
+          </a:p>
+          <a:p>
+            <a:pPr marL="0" indent="0">
+              <a:buNone/>
+            </a:pPr>
+            <a:r>
+              <a:rPr lang="es-ES" dirty="0" smtClean="0"/>
+              <a:t>Clasifique los mensajes de registro para saber lo que es normal para un grupo dado y los eventos raros en la superficie o los tipos de mensajes inusuales.</a:t>
             </a:r>
             <a:endParaRPr lang="en-US" dirty="0"/>
           </a:p>
@@ -4055,7 +3984,7 @@
     </p:spTree>
     <p:extLst>
       <p:ext uri="{BB962C8B-B14F-4D97-AF65-F5344CB8AC3E}">
-        <p14:creationId xmlns:p14="http://schemas.microsoft.com/office/powerpoint/2010/main" val="2591440036"/>
+        <p14:creationId xmlns:p14="http://schemas.microsoft.com/office/powerpoint/2010/main" val="231060456"/>
       </p:ext>
     </p:extLst>
   </p:cSld>
@@ -4098,12 +4027,8 @@
           <a:lstStyle/>
           <a:p>
             <a:r>
-              <a:rPr lang="en-US" dirty="0" err="1" smtClean="0"/>
-              <a:t>Elasticsearch</a:t>
-            </a:r>
-            <a:r>
               <a:rPr lang="en-US" dirty="0" smtClean="0"/>
-              <a:t> Machine Learning</a:t>
+              <a:t>REFERENCIAS</a:t>
             </a:r>
             <a:endParaRPr lang="en-US" dirty="0"/>
           </a:p>
@@ -4122,81 +4047,16 @@
         <p:spPr/>
         <p:txBody>
           <a:bodyPr>
-            <a:normAutofit fontScale="92500" lnSpcReduction="10000"/>
+            <a:normAutofit/>
           </a:bodyPr>
           <a:lstStyle/>
           <a:p>
             <a:pPr marL="0" indent="0">
               <a:buNone/>
             </a:pPr>
-            <a:endParaRPr lang="es-BO" b="1" dirty="0" smtClean="0"/>
-          </a:p>
-          <a:p>
-            <a:pPr marL="0" indent="0">
-              <a:buNone/>
-            </a:pPr>
-            <a:r>
-              <a:rPr lang="en-US" b="1" dirty="0" err="1" smtClean="0"/>
-              <a:t>Detecta</a:t>
-            </a:r>
-            <a:r>
-              <a:rPr lang="en-US" b="1" dirty="0" smtClean="0"/>
-              <a:t> </a:t>
-            </a:r>
-            <a:r>
-              <a:rPr lang="en-US" b="1" dirty="0" err="1" smtClean="0"/>
-              <a:t>todas</a:t>
-            </a:r>
-            <a:r>
-              <a:rPr lang="en-US" b="1" dirty="0" smtClean="0"/>
-              <a:t> los </a:t>
-            </a:r>
-            <a:r>
-              <a:rPr lang="en-US" b="1" dirty="0" err="1" smtClean="0"/>
-              <a:t>tipos</a:t>
-            </a:r>
-            <a:r>
-              <a:rPr lang="en-US" b="1" dirty="0" smtClean="0"/>
-              <a:t> de </a:t>
-            </a:r>
-            <a:r>
-              <a:rPr lang="en-US" b="1" dirty="0" err="1" smtClean="0"/>
-              <a:t>anomal</a:t>
-            </a:r>
-            <a:r>
-              <a:rPr lang="en-US" b="1" dirty="0" err="1"/>
-              <a:t>i</a:t>
-            </a:r>
-            <a:r>
-              <a:rPr lang="en-US" b="1" dirty="0" err="1" smtClean="0"/>
-              <a:t>as</a:t>
-            </a:r>
-            <a:endParaRPr lang="en-US" b="1" dirty="0"/>
-          </a:p>
-          <a:p>
-            <a:pPr marL="0" indent="0">
-              <a:buNone/>
-            </a:pPr>
-            <a:r>
-              <a:rPr lang="es-ES" dirty="0" smtClean="0"/>
-              <a:t>Las funciones de aprendizaje de la máquina X-Pack empujan los límites de lo que puede descubrir en sus datos de </a:t>
-            </a:r>
-            <a:r>
-              <a:rPr lang="es-ES" dirty="0" err="1" smtClean="0"/>
-              <a:t>Elasticsearch</a:t>
-            </a:r>
-            <a:r>
-              <a:rPr lang="es-ES" dirty="0" smtClean="0"/>
-              <a:t>. Se sabe cuándo una métrica específica, como peticiones por segundo, comienza a desviarse de la norma. Detectar valores atípicos en una población mediante la construcción de un perfil de un usuario o máquina "típico" para saber cuándo uno empieza a alejarse del paquete.</a:t>
-            </a:r>
-          </a:p>
-          <a:p>
-            <a:pPr marL="0" indent="0">
-              <a:buNone/>
-            </a:pPr>
-            <a:r>
-              <a:rPr lang="es-ES" dirty="0" smtClean="0"/>
-              <a:t>Clasifique los mensajes de registro para saber lo que es normal para un grupo dado y los eventos raros en la superficie o los tipos de mensajes inusuales.</a:t>
+            <a:r>
+              <a:rPr lang="en-US" dirty="0" smtClean="0"/>
+              <a:t>https://www.elastic.co/products/x-pack/machine-learning</a:t>
             </a:r>
             <a:endParaRPr lang="en-US" dirty="0"/>
           </a:p>
@@ -4205,7 +4065,7 @@
     </p:spTree>
     <p:extLst>
       <p:ext uri="{BB962C8B-B14F-4D97-AF65-F5344CB8AC3E}">
-        <p14:creationId xmlns:p14="http://schemas.microsoft.com/office/powerpoint/2010/main" val="231060456"/>
+        <p14:creationId xmlns:p14="http://schemas.microsoft.com/office/powerpoint/2010/main" val="3459070136"/>
       </p:ext>
     </p:extLst>
   </p:cSld>
@@ -4258,7 +4118,7 @@
     </a:clrScheme>
     <a:fontScheme name="Office">
       <a:majorFont>
-        <a:latin typeface="Calibri Light" panose="020F0302020204030204"/>
+        <a:latin typeface="Calibri Light"/>
         <a:ea typeface=""/>
         <a:cs typeface=""/>
         <a:font script="Jpan" typeface="ＭＳ Ｐゴシック"/>
@@ -4293,7 +4153,7 @@
         <a:font script="Geor" typeface="Sylfaen"/>
       </a:majorFont>
       <a:minorFont>
-        <a:latin typeface="Calibri" panose="020F0502020204030204"/>
+        <a:latin typeface="Calibri"/>
         <a:ea typeface=""/>
         <a:cs typeface=""/>
         <a:font script="Jpan" typeface="ＭＳ Ｐゴシック"/>
@@ -4470,7 +4330,7 @@
   <a:extraClrSchemeLst/>
   <a:extLst>
     <a:ext uri="{05A4C25C-085E-4340-85A3-A5531E510DB2}">
-      <thm15:themeFamily xmlns:thm15="http://schemas.microsoft.com/office/thememl/2012/main" name="Office Theme" id="{62F939B6-93AF-4DB8-9C6B-D6C7DFDC589F}" vid="{4A3C46E8-61CC-4603-A589-7422A47A8E4A}"/>
+      <thm15:themeFamily xmlns:thm15="http://schemas.microsoft.com/office/thememl/2012/main" xmlns="" name="Office Theme" id="{62F939B6-93AF-4DB8-9C6B-D6C7DFDC589F}" vid="{4A3C46E8-61CC-4603-A589-7422A47A8E4A}"/>
     </a:ext>
   </a:extLst>
 </a:theme>
